--- a/figs/recallCampusWide.pptx
+++ b/figs/recallCampusWide.pptx
@@ -851,6 +851,7 @@
         <c:axId val="-2081976248"/>
         <c:scaling>
           <c:orientation val="minMax"/>
+          <c:max val="100.0"/>
         </c:scaling>
         <c:delete val="0"/>
         <c:axPos val="b"/>
@@ -4044,7 +4045,7 @@
           <p:nvPr>
             <p:extLst>
               <p:ext uri="{D42A27DB-BD31-4B8C-83A1-F6EECF244321}">
-                <p14:modId xmlns:p14="http://schemas.microsoft.com/office/powerpoint/2010/main" val="1713640738"/>
+                <p14:modId xmlns:p14="http://schemas.microsoft.com/office/powerpoint/2010/main" val="1164800516"/>
               </p:ext>
             </p:extLst>
           </p:nvPr>
